--- a/git_tutorial.pptx
+++ b/git_tutorial.pptx
@@ -3138,11 +3138,20 @@
           <a:bodyPr/>
           <a:lstStyle/>
           <a:p>
-            <a:r>
-              <a:rPr kumimoji="1" lang="en-US" altLang="zh-CN" dirty="0" err="1" smtClean="0"/>
+            <a:pPr algn="r"/>
+            <a:r>
+              <a:rPr kumimoji="1" lang="en-US" altLang="zh-CN" dirty="0" err="1" smtClean="0">
+                <a:solidFill>
+                  <a:schemeClr val="tx1"/>
+                </a:solidFill>
+              </a:rPr>
               <a:t>miaomiaoguoguo</a:t>
             </a:r>
-            <a:endParaRPr kumimoji="1" lang="zh-CN" altLang="en-US" dirty="0"/>
+            <a:endParaRPr kumimoji="1" lang="zh-CN" altLang="en-US" dirty="0">
+              <a:solidFill>
+                <a:schemeClr val="tx1"/>
+              </a:solidFill>
+            </a:endParaRPr>
           </a:p>
         </p:txBody>
       </p:sp>
@@ -3233,14 +3242,26 @@
               <a:buChar char="•"/>
             </a:pPr>
             <a:r>
-              <a:rPr kumimoji="1" lang="en-US" altLang="zh-CN" sz="2400" dirty="0" err="1" smtClean="0"/>
+              <a:rPr kumimoji="1" lang="en-US" altLang="zh-CN" sz="2400" dirty="0" err="1" smtClean="0">
+                <a:solidFill>
+                  <a:srgbClr val="000000"/>
+                </a:solidFill>
+              </a:rPr>
               <a:t>git</a:t>
             </a:r>
             <a:r>
-              <a:rPr kumimoji="1" lang="en-US" altLang="zh-CN" sz="2400" dirty="0" smtClean="0"/>
+              <a:rPr kumimoji="1" lang="en-US" altLang="zh-CN" sz="2400" dirty="0" smtClean="0">
+                <a:solidFill>
+                  <a:srgbClr val="000000"/>
+                </a:solidFill>
+              </a:rPr>
               <a:t> merge</a:t>
             </a:r>
-            <a:endParaRPr kumimoji="1" lang="zh-CN" altLang="en-US" sz="2400" dirty="0" smtClean="0"/>
+            <a:endParaRPr kumimoji="1" lang="zh-CN" altLang="en-US" sz="2400" dirty="0" smtClean="0">
+              <a:solidFill>
+                <a:srgbClr val="000000"/>
+              </a:solidFill>
+            </a:endParaRPr>
           </a:p>
           <a:p>
             <a:pPr marL="342900" indent="-342900" algn="l">
@@ -3248,15 +3269,27 @@
               <a:buChar char="•"/>
             </a:pPr>
             <a:r>
-              <a:rPr kumimoji="1" lang="en-US" altLang="zh-CN" sz="2400" dirty="0" err="1"/>
+              <a:rPr kumimoji="1" lang="en-US" altLang="zh-CN" sz="2400" dirty="0" err="1">
+                <a:solidFill>
+                  <a:srgbClr val="000000"/>
+                </a:solidFill>
+              </a:rPr>
               <a:t>g</a:t>
             </a:r>
             <a:r>
-              <a:rPr kumimoji="1" lang="en-US" altLang="zh-CN" sz="2400" dirty="0" err="1" smtClean="0"/>
+              <a:rPr kumimoji="1" lang="en-US" altLang="zh-CN" sz="2400" dirty="0" err="1" smtClean="0">
+                <a:solidFill>
+                  <a:srgbClr val="000000"/>
+                </a:solidFill>
+              </a:rPr>
               <a:t>it</a:t>
             </a:r>
             <a:r>
-              <a:rPr kumimoji="1" lang="en-US" altLang="zh-CN" sz="2400" dirty="0" smtClean="0"/>
+              <a:rPr kumimoji="1" lang="en-US" altLang="zh-CN" sz="2400" dirty="0" smtClean="0">
+                <a:solidFill>
+                  <a:srgbClr val="000000"/>
+                </a:solidFill>
+              </a:rPr>
               <a:t> rebase</a:t>
             </a:r>
           </a:p>
@@ -3266,11 +3299,19 @@
               <a:buChar char="•"/>
             </a:pPr>
             <a:r>
-              <a:rPr kumimoji="1" lang="en-US" altLang="zh-CN" sz="2400" dirty="0" err="1" smtClean="0"/>
+              <a:rPr kumimoji="1" lang="en-US" altLang="zh-CN" sz="2400" dirty="0" err="1" smtClean="0">
+                <a:solidFill>
+                  <a:srgbClr val="000000"/>
+                </a:solidFill>
+              </a:rPr>
               <a:t>git</a:t>
             </a:r>
             <a:r>
-              <a:rPr kumimoji="1" lang="en-US" altLang="zh-CN" sz="2400" dirty="0" smtClean="0"/>
+              <a:rPr kumimoji="1" lang="en-US" altLang="zh-CN" sz="2400" dirty="0" smtClean="0">
+                <a:solidFill>
+                  <a:srgbClr val="000000"/>
+                </a:solidFill>
+              </a:rPr>
               <a:t> stash</a:t>
             </a:r>
           </a:p>
@@ -3280,15 +3321,27 @@
               <a:buChar char="•"/>
             </a:pPr>
             <a:r>
-              <a:rPr kumimoji="1" lang="en-US" altLang="zh-CN" sz="2400" dirty="0" smtClean="0"/>
+              <a:rPr kumimoji="1" lang="en-US" altLang="zh-CN" sz="2400" dirty="0" smtClean="0">
+                <a:solidFill>
+                  <a:srgbClr val="000000"/>
+                </a:solidFill>
+              </a:rPr>
               <a:t>show </a:t>
             </a:r>
             <a:r>
-              <a:rPr kumimoji="1" lang="en-US" altLang="zh-CN" sz="2400" dirty="0" err="1" smtClean="0"/>
+              <a:rPr kumimoji="1" lang="en-US" altLang="zh-CN" sz="2400" dirty="0" err="1" smtClean="0">
+                <a:solidFill>
+                  <a:srgbClr val="000000"/>
+                </a:solidFill>
+              </a:rPr>
               <a:t>git</a:t>
             </a:r>
             <a:r>
-              <a:rPr kumimoji="1" lang="en-US" altLang="zh-CN" sz="2400" dirty="0" smtClean="0"/>
+              <a:rPr kumimoji="1" lang="en-US" altLang="zh-CN" sz="2400" dirty="0" smtClean="0">
+                <a:solidFill>
+                  <a:srgbClr val="000000"/>
+                </a:solidFill>
+              </a:rPr>
               <a:t> log graphically</a:t>
             </a:r>
           </a:p>
